--- a/bayesian-modelling/3_Latent variable.pptx
+++ b/bayesian-modelling/3_Latent variable.pptx
@@ -12792,8 +12792,8 @@
           </a:fontRef>
         </p:style>
       </p:cxnSp>
-      <mc:AlternateContent xmlns:mc="http://schemas.openxmlformats.org/markup-compatibility/2006">
-        <mc:Choice xmlns:a14="http://schemas.microsoft.com/office/drawing/2010/main" Requires="a14">
+      <mc:AlternateContent xmlns:mc="http://schemas.openxmlformats.org/markup-compatibility/2006" xmlns:a14="http://schemas.microsoft.com/office/drawing/2010/main">
+        <mc:Choice Requires="a14">
           <p:sp>
             <p:nvSpPr>
               <p:cNvPr id="16" name="TextBox 15">
@@ -13063,7 +13063,7 @@
             </p:txBody>
           </p:sp>
         </mc:Choice>
-        <mc:Fallback>
+        <mc:Fallback xmlns="">
           <p:sp>
             <p:nvSpPr>
               <p:cNvPr id="16" name="TextBox 15">
@@ -13113,8 +13113,8 @@
           </p:sp>
         </mc:Fallback>
       </mc:AlternateContent>
-      <mc:AlternateContent xmlns:mc="http://schemas.openxmlformats.org/markup-compatibility/2006">
-        <mc:Choice xmlns:a14="http://schemas.microsoft.com/office/drawing/2010/main" Requires="a14">
+      <mc:AlternateContent xmlns:mc="http://schemas.openxmlformats.org/markup-compatibility/2006" xmlns:a14="http://schemas.microsoft.com/office/drawing/2010/main">
+        <mc:Choice Requires="a14">
           <p:sp>
             <p:nvSpPr>
               <p:cNvPr id="14" name="TextBox 13">
@@ -13384,7 +13384,7 @@
             </p:txBody>
           </p:sp>
         </mc:Choice>
-        <mc:Fallback>
+        <mc:Fallback xmlns="">
           <p:sp>
             <p:nvSpPr>
               <p:cNvPr id="14" name="TextBox 13">
@@ -13549,8 +13549,8 @@
       </p:par>
     </p:tnLst>
     <p:bldLst>
-      <p:bldP spid="16" grpId="0"/>
-      <p:bldP spid="14" grpId="0"/>
+      <p:bldP spid="16" grpId="0" animBg="1"/>
+      <p:bldP spid="14" grpId="0" animBg="1"/>
     </p:bldLst>
   </p:timing>
 </p:sld>
@@ -14983,109 +14983,6 @@
       </p:grpSpPr>
       <p:sp>
         <p:nvSpPr>
-          <p:cNvPr id="2" name="Text Placeholder 1">
-            <a:extLst>
-              <a:ext uri="{FF2B5EF4-FFF2-40B4-BE49-F238E27FC236}">
-                <a16:creationId xmlns:a16="http://schemas.microsoft.com/office/drawing/2014/main" id="{5FADB9A5-494E-623E-E840-A5F010B50101}"/>
-              </a:ext>
-            </a:extLst>
-          </p:cNvPr>
-          <p:cNvSpPr>
-            <a:spLocks noGrp="1"/>
-          </p:cNvSpPr>
-          <p:nvPr>
-            <p:ph type="body" sz="quarter" idx="10"/>
-          </p:nvPr>
-        </p:nvSpPr>
-        <p:spPr>
-          <a:xfrm>
-            <a:off x="1400492" y="1300842"/>
-            <a:ext cx="9367838" cy="4718958"/>
-          </a:xfrm>
-        </p:spPr>
-        <p:txBody>
-          <a:bodyPr/>
-          <a:lstStyle/>
-          <a:p>
-            <a:pPr>
-              <a:spcBef>
-                <a:spcPts val="1800"/>
-              </a:spcBef>
-            </a:pPr>
-            <a:r>
-              <a:rPr lang="en-CA" sz="2800" b="1" strike="sngStrike" dirty="0"/>
-              <a:t>Measurement uncertainty and Bayesian estimation</a:t>
-            </a:r>
-            <a:endParaRPr lang="en-CA" sz="2800" strike="sngStrike" dirty="0"/>
-          </a:p>
-          <a:p>
-            <a:pPr>
-              <a:spcBef>
-                <a:spcPts val="1800"/>
-              </a:spcBef>
-            </a:pPr>
-            <a:r>
-              <a:rPr lang="en-CA" sz="2800" b="1" strike="sngStrike" dirty="0"/>
-              <a:t>Bayesian linear regression</a:t>
-            </a:r>
-            <a:endParaRPr lang="en-CA" sz="2800" strike="sngStrike" dirty="0"/>
-          </a:p>
-          <a:p>
-            <a:pPr>
-              <a:spcBef>
-                <a:spcPts val="1800"/>
-              </a:spcBef>
-            </a:pPr>
-            <a:r>
-              <a:rPr lang="en-CA" sz="2800" b="1" dirty="0"/>
-              <a:t>Latent/unobservable variables</a:t>
-            </a:r>
-            <a:endParaRPr lang="en-CA" sz="2800" dirty="0"/>
-          </a:p>
-          <a:p>
-            <a:pPr>
-              <a:spcBef>
-                <a:spcPts val="1800"/>
-              </a:spcBef>
-            </a:pPr>
-            <a:r>
-              <a:rPr lang="en-CA" sz="2800" b="1" dirty="0"/>
-              <a:t>Advanced Topics </a:t>
-            </a:r>
-            <a:r>
-              <a:rPr lang="en-CA" sz="2800" dirty="0"/>
-              <a:t>(if time allows)</a:t>
-            </a:r>
-            <a:r>
-              <a:rPr lang="en-CA" sz="2800" b="1" dirty="0"/>
-              <a:t>: </a:t>
-            </a:r>
-          </a:p>
-          <a:p>
-            <a:pPr lvl="1"/>
-            <a:r>
-              <a:rPr lang="en-CA" sz="2800" dirty="0"/>
-              <a:t>Gaussian process regression</a:t>
-            </a:r>
-          </a:p>
-          <a:p>
-            <a:pPr lvl="1"/>
-            <a:r>
-              <a:rPr lang="en-CA" sz="2800" dirty="0"/>
-              <a:t>Bayesian optimization</a:t>
-            </a:r>
-          </a:p>
-          <a:p>
-            <a:pPr lvl="1"/>
-            <a:r>
-              <a:rPr lang="en-CA" sz="2800" dirty="0"/>
-              <a:t>Probabilistic deep learning</a:t>
-            </a:r>
-          </a:p>
-        </p:txBody>
-      </p:sp>
-      <p:sp>
-        <p:nvSpPr>
           <p:cNvPr id="3" name="Title 2">
             <a:extLst>
               <a:ext uri="{FF2B5EF4-FFF2-40B4-BE49-F238E27FC236}">
@@ -15109,6 +15006,274 @@
               <a:rPr lang="en-CA" dirty="0"/>
               <a:t>Workshop Outline</a:t>
             </a:r>
+          </a:p>
+        </p:txBody>
+      </p:sp>
+      <p:sp>
+        <p:nvSpPr>
+          <p:cNvPr id="5" name="Text Placeholder 4">
+            <a:extLst>
+              <a:ext uri="{FF2B5EF4-FFF2-40B4-BE49-F238E27FC236}">
+                <a16:creationId xmlns:a16="http://schemas.microsoft.com/office/drawing/2014/main" id="{2583790B-0862-D6C2-16B7-E2DDC8565113}"/>
+              </a:ext>
+            </a:extLst>
+          </p:cNvPr>
+          <p:cNvSpPr>
+            <a:spLocks noGrp="1"/>
+          </p:cNvSpPr>
+          <p:nvPr>
+            <p:ph type="body" sz="quarter" idx="10"/>
+          </p:nvPr>
+        </p:nvSpPr>
+        <p:spPr/>
+        <p:txBody>
+          <a:bodyPr/>
+          <a:lstStyle/>
+          <a:p>
+            <a:endParaRPr lang="en-CA"/>
+          </a:p>
+        </p:txBody>
+      </p:sp>
+      <p:sp>
+        <p:nvSpPr>
+          <p:cNvPr id="6" name="Text Placeholder 1">
+            <a:extLst>
+              <a:ext uri="{FF2B5EF4-FFF2-40B4-BE49-F238E27FC236}">
+                <a16:creationId xmlns:a16="http://schemas.microsoft.com/office/drawing/2014/main" id="{51C2AA14-D6A1-5A92-E189-94D9B1CF66A5}"/>
+              </a:ext>
+            </a:extLst>
+          </p:cNvPr>
+          <p:cNvSpPr txBox="1">
+            <a:spLocks/>
+          </p:cNvSpPr>
+          <p:nvPr/>
+        </p:nvSpPr>
+        <p:spPr>
+          <a:xfrm>
+            <a:off x="1076771" y="1527132"/>
+            <a:ext cx="10037821" cy="4718958"/>
+          </a:xfrm>
+          <a:prstGeom prst="rect">
+            <a:avLst/>
+          </a:prstGeom>
+        </p:spPr>
+        <p:txBody>
+          <a:bodyPr/>
+          <a:lstStyle>
+            <a:lvl1pPr marL="457200" indent="-457200" algn="l" defTabSz="914400" rtl="0" eaLnBrk="1" latinLnBrk="0" hangingPunct="1">
+              <a:lnSpc>
+                <a:spcPct val="110000"/>
+              </a:lnSpc>
+              <a:spcBef>
+                <a:spcPts val="1000"/>
+              </a:spcBef>
+              <a:buFont typeface="Wingdings" pitchFamily="2" charset="2"/>
+              <a:buChar char="q"/>
+              <a:defRPr lang="en-GB" sz="2000" kern="1200" dirty="0" smtClean="0">
+                <a:solidFill>
+                  <a:schemeClr val="tx1"/>
+                </a:solidFill>
+                <a:latin typeface="+mj-lt"/>
+                <a:ea typeface="Baskerville" panose="02020502070401020303" pitchFamily="18" charset="0"/>
+                <a:cs typeface="+mj-cs"/>
+              </a:defRPr>
+            </a:lvl1pPr>
+            <a:lvl2pPr marL="914400" indent="-457200" algn="l" defTabSz="914400" rtl="0" eaLnBrk="1" latinLnBrk="0" hangingPunct="1">
+              <a:lnSpc>
+                <a:spcPct val="110000"/>
+              </a:lnSpc>
+              <a:spcBef>
+                <a:spcPts val="500"/>
+              </a:spcBef>
+              <a:buFont typeface="Wingdings" pitchFamily="2" charset="2"/>
+              <a:buChar char="§"/>
+              <a:defRPr lang="en-GB" sz="2000" kern="1200" dirty="0" smtClean="0">
+                <a:solidFill>
+                  <a:schemeClr val="tx1"/>
+                </a:solidFill>
+                <a:latin typeface="+mj-lt"/>
+                <a:ea typeface="Baskerville" panose="02020502070401020303" pitchFamily="18" charset="0"/>
+                <a:cs typeface="+mj-cs"/>
+              </a:defRPr>
+            </a:lvl2pPr>
+            <a:lvl3pPr marL="1485900" indent="-571500" algn="l" defTabSz="914400" rtl="0" eaLnBrk="1" latinLnBrk="0" hangingPunct="1">
+              <a:lnSpc>
+                <a:spcPct val="110000"/>
+              </a:lnSpc>
+              <a:spcBef>
+                <a:spcPts val="500"/>
+              </a:spcBef>
+              <a:buFont typeface="Arial" panose="020B0604020202020204" pitchFamily="34" charset="0"/>
+              <a:buChar char="•"/>
+              <a:defRPr lang="en-GB" sz="2000" kern="1200" dirty="0" smtClean="0">
+                <a:solidFill>
+                  <a:schemeClr val="tx1"/>
+                </a:solidFill>
+                <a:latin typeface="+mj-lt"/>
+                <a:ea typeface="Baskerville" panose="02020502070401020303" pitchFamily="18" charset="0"/>
+                <a:cs typeface="+mj-cs"/>
+              </a:defRPr>
+            </a:lvl3pPr>
+            <a:lvl4pPr marL="1943100" indent="-571500" algn="l" defTabSz="914400" rtl="0" eaLnBrk="1" latinLnBrk="0" hangingPunct="1">
+              <a:lnSpc>
+                <a:spcPct val="110000"/>
+              </a:lnSpc>
+              <a:spcBef>
+                <a:spcPts val="500"/>
+              </a:spcBef>
+              <a:buFont typeface="+mj-lt"/>
+              <a:buAutoNum type="romanUcPeriod"/>
+              <a:defRPr lang="en-GB" sz="2000" kern="1200" dirty="0" smtClean="0">
+                <a:solidFill>
+                  <a:schemeClr val="tx1"/>
+                </a:solidFill>
+                <a:latin typeface="+mj-lt"/>
+                <a:ea typeface="Baskerville" panose="02020502070401020303" pitchFamily="18" charset="0"/>
+                <a:cs typeface="+mj-cs"/>
+              </a:defRPr>
+            </a:lvl4pPr>
+            <a:lvl5pPr marL="1828800" indent="0" algn="l" defTabSz="914400" rtl="0" eaLnBrk="1" latinLnBrk="1" hangingPunct="1">
+              <a:lnSpc>
+                <a:spcPct val="90000"/>
+              </a:lnSpc>
+              <a:spcBef>
+                <a:spcPts val="500"/>
+              </a:spcBef>
+              <a:buFont typeface="Arial" panose="020B0604020202020204" pitchFamily="34" charset="0"/>
+              <a:buNone/>
+              <a:defRPr lang="en-CA" sz="2600" kern="1200" dirty="0">
+                <a:solidFill>
+                  <a:schemeClr val="tx1"/>
+                </a:solidFill>
+                <a:latin typeface="+mj-lt"/>
+                <a:ea typeface="Baskerville" panose="02020502070401020303" pitchFamily="18" charset="0"/>
+                <a:cs typeface="+mj-cs"/>
+              </a:defRPr>
+            </a:lvl5pPr>
+            <a:lvl6pPr marL="2514600" indent="-228600" algn="l" defTabSz="914400" rtl="0" eaLnBrk="1" latinLnBrk="1" hangingPunct="1">
+              <a:lnSpc>
+                <a:spcPct val="90000"/>
+              </a:lnSpc>
+              <a:spcBef>
+                <a:spcPts val="500"/>
+              </a:spcBef>
+              <a:buFont typeface="Arial" panose="020B0604020202020204" pitchFamily="34" charset="0"/>
+              <a:buChar char="•"/>
+              <a:defRPr sz="1800" kern="1200">
+                <a:solidFill>
+                  <a:schemeClr val="tx1"/>
+                </a:solidFill>
+                <a:latin typeface="+mn-lt"/>
+                <a:ea typeface="+mn-ea"/>
+                <a:cs typeface="+mn-cs"/>
+              </a:defRPr>
+            </a:lvl6pPr>
+            <a:lvl7pPr marL="2971800" indent="-228600" algn="l" defTabSz="914400" rtl="0" eaLnBrk="1" latinLnBrk="1" hangingPunct="1">
+              <a:lnSpc>
+                <a:spcPct val="90000"/>
+              </a:lnSpc>
+              <a:spcBef>
+                <a:spcPts val="500"/>
+              </a:spcBef>
+              <a:buFont typeface="Arial" panose="020B0604020202020204" pitchFamily="34" charset="0"/>
+              <a:buChar char="•"/>
+              <a:defRPr sz="1800" kern="1200">
+                <a:solidFill>
+                  <a:schemeClr val="tx1"/>
+                </a:solidFill>
+                <a:latin typeface="+mn-lt"/>
+                <a:ea typeface="+mn-ea"/>
+                <a:cs typeface="+mn-cs"/>
+              </a:defRPr>
+            </a:lvl7pPr>
+            <a:lvl8pPr marL="3429000" indent="-228600" algn="l" defTabSz="914400" rtl="0" eaLnBrk="1" latinLnBrk="1" hangingPunct="1">
+              <a:lnSpc>
+                <a:spcPct val="90000"/>
+              </a:lnSpc>
+              <a:spcBef>
+                <a:spcPts val="500"/>
+              </a:spcBef>
+              <a:buFont typeface="Arial" panose="020B0604020202020204" pitchFamily="34" charset="0"/>
+              <a:buChar char="•"/>
+              <a:defRPr sz="1800" kern="1200">
+                <a:solidFill>
+                  <a:schemeClr val="tx1"/>
+                </a:solidFill>
+                <a:latin typeface="+mn-lt"/>
+                <a:ea typeface="+mn-ea"/>
+                <a:cs typeface="+mn-cs"/>
+              </a:defRPr>
+            </a:lvl8pPr>
+            <a:lvl9pPr marL="3886200" indent="-228600" algn="l" defTabSz="914400" rtl="0" eaLnBrk="1" latinLnBrk="1" hangingPunct="1">
+              <a:lnSpc>
+                <a:spcPct val="90000"/>
+              </a:lnSpc>
+              <a:spcBef>
+                <a:spcPts val="500"/>
+              </a:spcBef>
+              <a:buFont typeface="Arial" panose="020B0604020202020204" pitchFamily="34" charset="0"/>
+              <a:buChar char="•"/>
+              <a:defRPr sz="1800" kern="1200">
+                <a:solidFill>
+                  <a:schemeClr val="tx1"/>
+                </a:solidFill>
+                <a:latin typeface="+mn-lt"/>
+                <a:ea typeface="+mn-ea"/>
+                <a:cs typeface="+mn-cs"/>
+              </a:defRPr>
+            </a:lvl9pPr>
+          </a:lstStyle>
+          <a:p>
+            <a:pPr>
+              <a:spcBef>
+                <a:spcPts val="3000"/>
+              </a:spcBef>
+            </a:pPr>
+            <a:r>
+              <a:rPr lang="en-CA" sz="2800" b="1" strike="sngStrike" dirty="0"/>
+              <a:t>Measurement uncertainty and Bayesian estimation</a:t>
+            </a:r>
+            <a:endParaRPr lang="en-CA" sz="2800" strike="sngStrike" dirty="0"/>
+          </a:p>
+          <a:p>
+            <a:pPr>
+              <a:spcBef>
+                <a:spcPts val="3000"/>
+              </a:spcBef>
+            </a:pPr>
+            <a:r>
+              <a:rPr lang="en-CA" sz="2800" b="1" strike="sngStrike" dirty="0"/>
+              <a:t>Bayesian linear regression</a:t>
+            </a:r>
+            <a:endParaRPr lang="en-CA" sz="2800" strike="sngStrike" dirty="0"/>
+          </a:p>
+          <a:p>
+            <a:pPr>
+              <a:spcBef>
+                <a:spcPts val="3000"/>
+              </a:spcBef>
+            </a:pPr>
+            <a:r>
+              <a:rPr lang="en-CA" sz="2800" b="1" dirty="0"/>
+              <a:t>Latent/unobservable variables</a:t>
+            </a:r>
+            <a:endParaRPr lang="en-CA" sz="2800" dirty="0"/>
+          </a:p>
+          <a:p>
+            <a:pPr>
+              <a:spcBef>
+                <a:spcPts val="3000"/>
+              </a:spcBef>
+            </a:pPr>
+            <a:r>
+              <a:rPr lang="en-CA" sz="2800" b="1" dirty="0"/>
+              <a:t>Advanced Topics: </a:t>
+            </a:r>
+            <a:r>
+              <a:rPr lang="en-US" sz="2800" dirty="0"/>
+              <a:t>Design of Experiment and Optimization</a:t>
+            </a:r>
+            <a:endParaRPr lang="en-CA" sz="2800" b="1" dirty="0"/>
           </a:p>
         </p:txBody>
       </p:sp>
@@ -15217,8 +15382,8 @@
           </a:extLst>
         </p:spPr>
       </p:pic>
-      <mc:AlternateContent xmlns:mc="http://schemas.openxmlformats.org/markup-compatibility/2006">
-        <mc:Choice xmlns:a14="http://schemas.microsoft.com/office/drawing/2010/main" Requires="a14">
+      <mc:AlternateContent xmlns:mc="http://schemas.openxmlformats.org/markup-compatibility/2006" xmlns:a14="http://schemas.microsoft.com/office/drawing/2010/main">
+        <mc:Choice Requires="a14">
           <p:sp>
             <p:nvSpPr>
               <p:cNvPr id="17" name="TextBox 16">
@@ -16344,7 +16509,7 @@
             </p:txBody>
           </p:sp>
         </mc:Choice>
-        <mc:Fallback>
+        <mc:Fallback xmlns="">
           <p:sp>
             <p:nvSpPr>
               <p:cNvPr id="17" name="TextBox 16">
@@ -21927,15 +22092,6 @@
 </file>
 
 <file path=customXml/item1.xml><?xml version="1.0" encoding="utf-8"?>
-<?mso-contentType ?>
-<FormTemplates xmlns="http://schemas.microsoft.com/sharepoint/v3/contenttype/forms">
-  <Display>DocumentLibraryForm</Display>
-  <Edit>DocumentLibraryForm</Edit>
-  <New>DocumentLibraryForm</New>
-</FormTemplates>
-</file>
-
-<file path=customXml/item2.xml><?xml version="1.0" encoding="utf-8"?>
 <ct:contentTypeSchema xmlns:ct="http://schemas.microsoft.com/office/2006/metadata/contentType" xmlns:ma="http://schemas.microsoft.com/office/2006/metadata/properties/metaAttributes" ct:_="" ma:_="" ma:contentTypeName="문서" ma:contentTypeID="0x0101007917C783DC76484FB8EE4E2E915C826D" ma:contentTypeVersion="14" ma:contentTypeDescription="새 문서를 만듭니다." ma:contentTypeScope="" ma:versionID="5970496cfac6c8ed8dd979ecb5c5ac3e">
   <xsd:schema xmlns:xsd="http://www.w3.org/2001/XMLSchema" xmlns:xs="http://www.w3.org/2001/XMLSchema" xmlns:p="http://schemas.microsoft.com/office/2006/metadata/properties" xmlns:ns2="a777d6bd-13f9-427d-90d8-3493e6e6135a" xmlns:ns3="21cea1b5-b8b8-49a7-ad55-9815503a2de3" targetNamespace="http://schemas.microsoft.com/office/2006/metadata/properties" ma:root="true" ma:fieldsID="b3948081e9c420d0af992ef9601bf8ae" ns2:_="" ns3:_="">
     <xsd:import namespace="a777d6bd-13f9-427d-90d8-3493e6e6135a"/>
@@ -22164,7 +22320,7 @@
 </ct:contentTypeSchema>
 </file>
 
-<file path=customXml/item3.xml><?xml version="1.0" encoding="utf-8"?>
+<file path=customXml/item2.xml><?xml version="1.0" encoding="utf-8"?>
 <p:properties xmlns:p="http://schemas.microsoft.com/office/2006/metadata/properties" xmlns:xsi="http://www.w3.org/2001/XMLSchema-instance" xmlns:pc="http://schemas.microsoft.com/office/infopath/2007/PartnerControls">
   <documentManagement>
     <TaxCatchAll xmlns="21cea1b5-b8b8-49a7-ad55-9815503a2de3" xsi:nil="true"/>
@@ -22175,15 +22331,16 @@
 </p:properties>
 </file>
 
-<file path=customXml/itemProps1.xml><?xml version="1.0" encoding="utf-8"?>
-<ds:datastoreItem xmlns:ds="http://schemas.openxmlformats.org/officeDocument/2006/customXml" ds:itemID="{D0BCF156-7021-46E7-A8A5-2912D2711101}">
-  <ds:schemaRefs>
-    <ds:schemaRef ds:uri="http://schemas.microsoft.com/sharepoint/v3/contenttype/forms"/>
-  </ds:schemaRefs>
-</ds:datastoreItem>
+<file path=customXml/item3.xml><?xml version="1.0" encoding="utf-8"?>
+<?mso-contentType ?>
+<FormTemplates xmlns="http://schemas.microsoft.com/sharepoint/v3/contenttype/forms">
+  <Display>DocumentLibraryForm</Display>
+  <Edit>DocumentLibraryForm</Edit>
+  <New>DocumentLibraryForm</New>
+</FormTemplates>
 </file>
 
-<file path=customXml/itemProps2.xml><?xml version="1.0" encoding="utf-8"?>
+<file path=customXml/itemProps1.xml><?xml version="1.0" encoding="utf-8"?>
 <ds:datastoreItem xmlns:ds="http://schemas.openxmlformats.org/officeDocument/2006/customXml" ds:itemID="{F75F35C7-3041-4C40-AE9D-9C5AA7725281}">
   <ds:schemaRefs>
     <ds:schemaRef ds:uri="21cea1b5-b8b8-49a7-ad55-9815503a2de3"/>
@@ -22202,7 +22359,7 @@
 </ds:datastoreItem>
 </file>
 
-<file path=customXml/itemProps3.xml><?xml version="1.0" encoding="utf-8"?>
+<file path=customXml/itemProps2.xml><?xml version="1.0" encoding="utf-8"?>
 <ds:datastoreItem xmlns:ds="http://schemas.openxmlformats.org/officeDocument/2006/customXml" ds:itemID="{B46BB44E-DDA9-4A4E-8422-24BFBB7878E2}">
   <ds:schemaRefs>
     <ds:schemaRef ds:uri="http://purl.org/dc/elements/1.1/"/>
@@ -22219,6 +22376,14 @@
 </ds:datastoreItem>
 </file>
 
+<file path=customXml/itemProps3.xml><?xml version="1.0" encoding="utf-8"?>
+<ds:datastoreItem xmlns:ds="http://schemas.openxmlformats.org/officeDocument/2006/customXml" ds:itemID="{D0BCF156-7021-46E7-A8A5-2912D2711101}">
+  <ds:schemaRefs>
+    <ds:schemaRef ds:uri="http://schemas.microsoft.com/sharepoint/v3/contenttype/forms"/>
+  </ds:schemaRefs>
+</ds:datastoreItem>
+</file>
+
 <file path=docMetadata/LabelInfo.xml><?xml version="1.0" encoding="utf-8"?>
 <clbl:labelList xmlns:clbl="http://schemas.microsoft.com/office/2020/mipLabelMetadata">
   <clbl:label id="{78aac226-2f03-4b4d-9037-b46d56c55210}" enabled="0" method="" siteId="{78aac226-2f03-4b4d-9037-b46d56c55210}" removed="1"/>
